--- a/results/figure_1_more_info_smaller_with_uti_result.pptx
+++ b/results/figure_1_more_info_smaller_with_uti_result.pptx
@@ -197,7 +197,7 @@
           <a:p>
             <a:fld id="{CD0E40CD-16F4-894C-A7FB-13ACDACA71FD}" type="datetimeFigureOut">
               <a:rPr lang="en-GB" smtClean="0"/>
-              <a:t>30/01/2025</a:t>
+              <a:t>31/01/2025</a:t>
             </a:fld>
             <a:endParaRPr lang="en-GB"/>
           </a:p>
@@ -684,7 +684,7 @@
           <a:p>
             <a:fld id="{58A297A0-A4C9-5C40-AB54-2F82AD7484BC}" type="datetimeFigureOut">
               <a:rPr lang="en-GB" smtClean="0"/>
-              <a:t>30/01/2025</a:t>
+              <a:t>31/01/2025</a:t>
             </a:fld>
             <a:endParaRPr lang="en-GB"/>
           </a:p>
@@ -854,7 +854,7 @@
           <a:p>
             <a:fld id="{58A297A0-A4C9-5C40-AB54-2F82AD7484BC}" type="datetimeFigureOut">
               <a:rPr lang="en-GB" smtClean="0"/>
-              <a:t>30/01/2025</a:t>
+              <a:t>31/01/2025</a:t>
             </a:fld>
             <a:endParaRPr lang="en-GB"/>
           </a:p>
@@ -1034,7 +1034,7 @@
           <a:p>
             <a:fld id="{58A297A0-A4C9-5C40-AB54-2F82AD7484BC}" type="datetimeFigureOut">
               <a:rPr lang="en-GB" smtClean="0"/>
-              <a:t>30/01/2025</a:t>
+              <a:t>31/01/2025</a:t>
             </a:fld>
             <a:endParaRPr lang="en-GB"/>
           </a:p>
@@ -1204,7 +1204,7 @@
           <a:p>
             <a:fld id="{58A297A0-A4C9-5C40-AB54-2F82AD7484BC}" type="datetimeFigureOut">
               <a:rPr lang="en-GB" smtClean="0"/>
-              <a:t>30/01/2025</a:t>
+              <a:t>31/01/2025</a:t>
             </a:fld>
             <a:endParaRPr lang="en-GB"/>
           </a:p>
@@ -1450,7 +1450,7 @@
           <a:p>
             <a:fld id="{58A297A0-A4C9-5C40-AB54-2F82AD7484BC}" type="datetimeFigureOut">
               <a:rPr lang="en-GB" smtClean="0"/>
-              <a:t>30/01/2025</a:t>
+              <a:t>31/01/2025</a:t>
             </a:fld>
             <a:endParaRPr lang="en-GB"/>
           </a:p>
@@ -1682,7 +1682,7 @@
           <a:p>
             <a:fld id="{58A297A0-A4C9-5C40-AB54-2F82AD7484BC}" type="datetimeFigureOut">
               <a:rPr lang="en-GB" smtClean="0"/>
-              <a:t>30/01/2025</a:t>
+              <a:t>31/01/2025</a:t>
             </a:fld>
             <a:endParaRPr lang="en-GB"/>
           </a:p>
@@ -2049,7 +2049,7 @@
           <a:p>
             <a:fld id="{58A297A0-A4C9-5C40-AB54-2F82AD7484BC}" type="datetimeFigureOut">
               <a:rPr lang="en-GB" smtClean="0"/>
-              <a:t>30/01/2025</a:t>
+              <a:t>31/01/2025</a:t>
             </a:fld>
             <a:endParaRPr lang="en-GB"/>
           </a:p>
@@ -2167,7 +2167,7 @@
           <a:p>
             <a:fld id="{58A297A0-A4C9-5C40-AB54-2F82AD7484BC}" type="datetimeFigureOut">
               <a:rPr lang="en-GB" smtClean="0"/>
-              <a:t>30/01/2025</a:t>
+              <a:t>31/01/2025</a:t>
             </a:fld>
             <a:endParaRPr lang="en-GB"/>
           </a:p>
@@ -2262,7 +2262,7 @@
           <a:p>
             <a:fld id="{58A297A0-A4C9-5C40-AB54-2F82AD7484BC}" type="datetimeFigureOut">
               <a:rPr lang="en-GB" smtClean="0"/>
-              <a:t>30/01/2025</a:t>
+              <a:t>31/01/2025</a:t>
             </a:fld>
             <a:endParaRPr lang="en-GB"/>
           </a:p>
@@ -2539,7 +2539,7 @@
           <a:p>
             <a:fld id="{58A297A0-A4C9-5C40-AB54-2F82AD7484BC}" type="datetimeFigureOut">
               <a:rPr lang="en-GB" smtClean="0"/>
-              <a:t>30/01/2025</a:t>
+              <a:t>31/01/2025</a:t>
             </a:fld>
             <a:endParaRPr lang="en-GB"/>
           </a:p>
@@ -2796,7 +2796,7 @@
           <a:p>
             <a:fld id="{58A297A0-A4C9-5C40-AB54-2F82AD7484BC}" type="datetimeFigureOut">
               <a:rPr lang="en-GB" smtClean="0"/>
-              <a:t>30/01/2025</a:t>
+              <a:t>31/01/2025</a:t>
             </a:fld>
             <a:endParaRPr lang="en-GB"/>
           </a:p>
@@ -3009,7 +3009,7 @@
           <a:p>
             <a:fld id="{58A297A0-A4C9-5C40-AB54-2F82AD7484BC}" type="datetimeFigureOut">
               <a:rPr lang="en-GB" smtClean="0"/>
-              <a:t>30/01/2025</a:t>
+              <a:t>31/01/2025</a:t>
             </a:fld>
             <a:endParaRPr lang="en-GB"/>
           </a:p>
@@ -3414,12 +3414,48 @@
           <a:chExt cx="0" cy="0"/>
         </a:xfrm>
       </p:grpSpPr>
+      <p:pic>
+        <p:nvPicPr>
+          <p:cNvPr id="29" name="Graphic 28">
+            <a:extLst>
+              <a:ext uri="{FF2B5EF4-FFF2-40B4-BE49-F238E27FC236}">
+                <a16:creationId xmlns:a16="http://schemas.microsoft.com/office/drawing/2014/main" id="{A4CBAED4-46EE-9999-D7AE-EABB18E85764}"/>
+              </a:ext>
+            </a:extLst>
+          </p:cNvPr>
+          <p:cNvPicPr>
+            <a:picLocks noChangeAspect="1"/>
+          </p:cNvPicPr>
+          <p:nvPr/>
+        </p:nvPicPr>
+        <p:blipFill>
+          <a:blip r:embed="rId3">
+            <a:extLst>
+              <a:ext uri="{96DAC541-7B7A-43D3-8B79-37D633B846F1}">
+                <asvg:svgBlip xmlns:asvg="http://schemas.microsoft.com/office/drawing/2016/SVG/main" r:embed="rId4"/>
+              </a:ext>
+            </a:extLst>
+          </a:blip>
+          <a:stretch>
+            <a:fillRect/>
+          </a:stretch>
+        </p:blipFill>
+        <p:spPr>
+          <a:xfrm>
+            <a:off x="6447629" y="0"/>
+            <a:ext cx="2184952" cy="1527533"/>
+          </a:xfrm>
+          <a:prstGeom prst="rect">
+            <a:avLst/>
+          </a:prstGeom>
+        </p:spPr>
+      </p:pic>
       <p:grpSp>
         <p:nvGrpSpPr>
-          <p:cNvPr id="54" name="Group 53">
+          <p:cNvPr id="8" name="Group 7">
             <a:extLst>
               <a:ext uri="{FF2B5EF4-FFF2-40B4-BE49-F238E27FC236}">
-                <a16:creationId xmlns:a16="http://schemas.microsoft.com/office/drawing/2014/main" id="{3038379F-0059-BDCF-46A1-ED55B17C9AD4}"/>
+                <a16:creationId xmlns:a16="http://schemas.microsoft.com/office/drawing/2014/main" id="{814E6D41-922D-FED4-1C37-7CE3ADCE675C}"/>
               </a:ext>
             </a:extLst>
           </p:cNvPr>
@@ -3429,9 +3465,9 @@
         <p:grpSpPr>
           <a:xfrm>
             <a:off x="-8287" y="-11937"/>
-            <a:ext cx="8640868" cy="1546823"/>
+            <a:ext cx="6577958" cy="1546823"/>
             <a:chOff x="-8287" y="-11937"/>
-            <a:chExt cx="8640868" cy="1546823"/>
+            <a:chExt cx="6577958" cy="1546823"/>
           </a:xfrm>
         </p:grpSpPr>
         <p:sp>
@@ -3984,8 +4020,8 @@
               </a:p>
             </p:txBody>
           </p:sp>
-          <mc:AlternateContent xmlns:mc="http://schemas.openxmlformats.org/markup-compatibility/2006">
-            <mc:Choice xmlns:a14="http://schemas.microsoft.com/office/drawing/2010/main" Requires="a14">
+          <mc:AlternateContent xmlns:mc="http://schemas.openxmlformats.org/markup-compatibility/2006" xmlns:a14="http://schemas.microsoft.com/office/drawing/2010/main">
+            <mc:Choice Requires="a14">
               <p:sp>
                 <p:nvSpPr>
                   <p:cNvPr id="38" name="TextBox 37">
@@ -4126,7 +4162,7 @@
                 </p:txBody>
               </p:sp>
             </mc:Choice>
-            <mc:Fallback>
+            <mc:Fallback xmlns="">
               <p:sp>
                 <p:nvSpPr>
                   <p:cNvPr id="38" name="TextBox 37">
@@ -4150,7 +4186,7 @@
                     <a:avLst/>
                   </a:prstGeom>
                   <a:blipFill>
-                    <a:blip r:embed="rId3"/>
+                    <a:blip r:embed="rId5"/>
                     <a:stretch>
                       <a:fillRect b="-4545"/>
                     </a:stretch>
@@ -4708,8 +4744,8 @@
               </a:p>
             </p:txBody>
           </p:sp>
-          <mc:AlternateContent xmlns:mc="http://schemas.openxmlformats.org/markup-compatibility/2006">
-            <mc:Choice xmlns:a14="http://schemas.microsoft.com/office/drawing/2010/main" Requires="a14">
+          <mc:AlternateContent xmlns:mc="http://schemas.openxmlformats.org/markup-compatibility/2006" xmlns:a14="http://schemas.microsoft.com/office/drawing/2010/main">
+            <mc:Choice Requires="a14">
               <p:sp>
                 <p:nvSpPr>
                   <p:cNvPr id="37" name="TextBox 36">
@@ -4813,7 +4849,7 @@
                 </p:txBody>
               </p:sp>
             </mc:Choice>
-            <mc:Fallback>
+            <mc:Fallback xmlns="">
               <p:sp>
                 <p:nvSpPr>
                   <p:cNvPr id="37" name="TextBox 36">
@@ -4837,7 +4873,7 @@
                     <a:avLst/>
                   </a:prstGeom>
                   <a:blipFill>
-                    <a:blip r:embed="rId4"/>
+                    <a:blip r:embed="rId6"/>
                     <a:stretch>
                       <a:fillRect b="-21429"/>
                     </a:stretch>
@@ -4874,42 +4910,6 @@
             <p:nvPr/>
           </p:nvPicPr>
           <p:blipFill>
-            <a:blip r:embed="rId5">
-              <a:extLst>
-                <a:ext uri="{96DAC541-7B7A-43D3-8B79-37D633B846F1}">
-                  <asvg:svgBlip xmlns:asvg="http://schemas.microsoft.com/office/drawing/2016/SVG/main" r:embed="rId6"/>
-                </a:ext>
-              </a:extLst>
-            </a:blip>
-            <a:stretch>
-              <a:fillRect/>
-            </a:stretch>
-          </p:blipFill>
-          <p:spPr>
-            <a:xfrm>
-              <a:off x="2547065" y="735879"/>
-              <a:ext cx="1666642" cy="666656"/>
-            </a:xfrm>
-            <a:prstGeom prst="rect">
-              <a:avLst/>
-            </a:prstGeom>
-          </p:spPr>
-        </p:pic>
-        <p:pic>
-          <p:nvPicPr>
-            <p:cNvPr id="29" name="Graphic 28">
-              <a:extLst>
-                <a:ext uri="{FF2B5EF4-FFF2-40B4-BE49-F238E27FC236}">
-                  <a16:creationId xmlns:a16="http://schemas.microsoft.com/office/drawing/2014/main" id="{A4CBAED4-46EE-9999-D7AE-EABB18E85764}"/>
-                </a:ext>
-              </a:extLst>
-            </p:cNvPr>
-            <p:cNvPicPr>
-              <a:picLocks noChangeAspect="1"/>
-            </p:cNvPicPr>
-            <p:nvPr/>
-          </p:nvPicPr>
-          <p:blipFill>
             <a:blip r:embed="rId7">
               <a:extLst>
                 <a:ext uri="{96DAC541-7B7A-43D3-8B79-37D633B846F1}">
@@ -4923,8 +4923,8 @@
           </p:blipFill>
           <p:spPr>
             <a:xfrm>
-              <a:off x="6447629" y="0"/>
-              <a:ext cx="2184952" cy="1527533"/>
+              <a:off x="2547065" y="735879"/>
+              <a:ext cx="1666642" cy="666656"/>
             </a:xfrm>
             <a:prstGeom prst="rect">
               <a:avLst/>
